--- a/チーム岐阜プレゼン資料.pptx
+++ b/チーム岐阜プレゼン資料.pptx
@@ -7,10 +7,14 @@
   <p:sldIdLst>
     <p:sldId id="256" r:id="rId2"/>
     <p:sldId id="261" r:id="rId3"/>
-    <p:sldId id="258" r:id="rId4"/>
-    <p:sldId id="259" r:id="rId5"/>
-    <p:sldId id="260" r:id="rId6"/>
-    <p:sldId id="262" r:id="rId7"/>
+    <p:sldId id="263" r:id="rId4"/>
+    <p:sldId id="265" r:id="rId5"/>
+    <p:sldId id="258" r:id="rId6"/>
+    <p:sldId id="259" r:id="rId7"/>
+    <p:sldId id="260" r:id="rId8"/>
+    <p:sldId id="262" r:id="rId9"/>
+    <p:sldId id="264" r:id="rId10"/>
+    <p:sldId id="266" r:id="rId11"/>
   </p:sldIdLst>
   <p:sldSz cx="12192000" cy="6858000"/>
   <p:notesSz cx="6858000" cy="9144000"/>
@@ -619,7 +623,7 @@
           <a:p>
             <a:fld id="{DC437576-95C7-47E1-B0DE-1E09BD029BD4}" type="datetimeFigureOut">
               <a:rPr kumimoji="1" lang="ja-JP" altLang="en-US" smtClean="0"/>
-              <a:t>2018/4/5</a:t>
+              <a:t>2018/5/14</a:t>
             </a:fld>
             <a:endParaRPr kumimoji="1" lang="ja-JP" altLang="en-US"/>
           </a:p>
@@ -915,7 +919,7 @@
           <a:p>
             <a:fld id="{DC437576-95C7-47E1-B0DE-1E09BD029BD4}" type="datetimeFigureOut">
               <a:rPr kumimoji="1" lang="ja-JP" altLang="en-US" smtClean="0"/>
-              <a:t>2018/4/5</a:t>
+              <a:t>2018/5/14</a:t>
             </a:fld>
             <a:endParaRPr kumimoji="1" lang="ja-JP" altLang="en-US"/>
           </a:p>
@@ -1163,7 +1167,7 @@
           <a:p>
             <a:fld id="{DC437576-95C7-47E1-B0DE-1E09BD029BD4}" type="datetimeFigureOut">
               <a:rPr kumimoji="1" lang="ja-JP" altLang="en-US" smtClean="0"/>
-              <a:t>2018/4/5</a:t>
+              <a:t>2018/5/14</a:t>
             </a:fld>
             <a:endParaRPr kumimoji="1" lang="ja-JP" altLang="en-US"/>
           </a:p>
@@ -1703,7 +1707,7 @@
           <a:p>
             <a:fld id="{DC437576-95C7-47E1-B0DE-1E09BD029BD4}" type="datetimeFigureOut">
               <a:rPr kumimoji="1" lang="ja-JP" altLang="en-US" smtClean="0"/>
-              <a:t>2018/4/5</a:t>
+              <a:t>2018/5/14</a:t>
             </a:fld>
             <a:endParaRPr kumimoji="1" lang="ja-JP" altLang="en-US"/>
           </a:p>
@@ -1951,7 +1955,7 @@
           <a:p>
             <a:fld id="{DC437576-95C7-47E1-B0DE-1E09BD029BD4}" type="datetimeFigureOut">
               <a:rPr kumimoji="1" lang="ja-JP" altLang="en-US" smtClean="0"/>
-              <a:t>2018/4/5</a:t>
+              <a:t>2018/5/14</a:t>
             </a:fld>
             <a:endParaRPr kumimoji="1" lang="ja-JP" altLang="en-US"/>
           </a:p>
@@ -2483,7 +2487,7 @@
           <a:p>
             <a:fld id="{DC437576-95C7-47E1-B0DE-1E09BD029BD4}" type="datetimeFigureOut">
               <a:rPr kumimoji="1" lang="ja-JP" altLang="en-US" smtClean="0"/>
-              <a:t>2018/4/5</a:t>
+              <a:t>2018/5/14</a:t>
             </a:fld>
             <a:endParaRPr kumimoji="1" lang="ja-JP" altLang="en-US"/>
           </a:p>
@@ -2780,7 +2784,7 @@
           <a:p>
             <a:fld id="{DC437576-95C7-47E1-B0DE-1E09BD029BD4}" type="datetimeFigureOut">
               <a:rPr kumimoji="1" lang="ja-JP" altLang="en-US" smtClean="0"/>
-              <a:t>2018/4/5</a:t>
+              <a:t>2018/5/14</a:t>
             </a:fld>
             <a:endParaRPr kumimoji="1" lang="ja-JP" altLang="en-US"/>
           </a:p>
@@ -2986,7 +2990,7 @@
           <a:p>
             <a:fld id="{DC437576-95C7-47E1-B0DE-1E09BD029BD4}" type="datetimeFigureOut">
               <a:rPr kumimoji="1" lang="ja-JP" altLang="en-US" smtClean="0"/>
-              <a:t>2018/4/5</a:t>
+              <a:t>2018/5/14</a:t>
             </a:fld>
             <a:endParaRPr kumimoji="1" lang="ja-JP" altLang="en-US"/>
           </a:p>
@@ -3198,7 +3202,7 @@
           <a:p>
             <a:fld id="{DC437576-95C7-47E1-B0DE-1E09BD029BD4}" type="datetimeFigureOut">
               <a:rPr kumimoji="1" lang="ja-JP" altLang="en-US" smtClean="0"/>
-              <a:t>2018/4/5</a:t>
+              <a:t>2018/5/14</a:t>
             </a:fld>
             <a:endParaRPr kumimoji="1" lang="ja-JP" altLang="en-US"/>
           </a:p>
@@ -3400,7 +3404,7 @@
           <a:p>
             <a:fld id="{DC437576-95C7-47E1-B0DE-1E09BD029BD4}" type="datetimeFigureOut">
               <a:rPr kumimoji="1" lang="ja-JP" altLang="en-US" smtClean="0"/>
-              <a:t>2018/4/5</a:t>
+              <a:t>2018/5/14</a:t>
             </a:fld>
             <a:endParaRPr kumimoji="1" lang="ja-JP" altLang="en-US"/>
           </a:p>
@@ -3651,7 +3655,7 @@
           <a:p>
             <a:fld id="{DC437576-95C7-47E1-B0DE-1E09BD029BD4}" type="datetimeFigureOut">
               <a:rPr kumimoji="1" lang="ja-JP" altLang="en-US" smtClean="0"/>
-              <a:t>2018/4/5</a:t>
+              <a:t>2018/5/14</a:t>
             </a:fld>
             <a:endParaRPr kumimoji="1" lang="ja-JP" altLang="en-US"/>
           </a:p>
@@ -4012,7 +4016,7 @@
           <a:p>
             <a:fld id="{DC437576-95C7-47E1-B0DE-1E09BD029BD4}" type="datetimeFigureOut">
               <a:rPr kumimoji="1" lang="ja-JP" altLang="en-US" smtClean="0"/>
-              <a:t>2018/4/5</a:t>
+              <a:t>2018/5/14</a:t>
             </a:fld>
             <a:endParaRPr kumimoji="1" lang="ja-JP" altLang="en-US"/>
           </a:p>
@@ -4518,7 +4522,7 @@
           <a:p>
             <a:fld id="{DC437576-95C7-47E1-B0DE-1E09BD029BD4}" type="datetimeFigureOut">
               <a:rPr kumimoji="1" lang="ja-JP" altLang="en-US" smtClean="0"/>
-              <a:t>2018/4/5</a:t>
+              <a:t>2018/5/14</a:t>
             </a:fld>
             <a:endParaRPr kumimoji="1" lang="ja-JP" altLang="en-US"/>
           </a:p>
@@ -4636,7 +4640,7 @@
           <a:p>
             <a:fld id="{DC437576-95C7-47E1-B0DE-1E09BD029BD4}" type="datetimeFigureOut">
               <a:rPr kumimoji="1" lang="ja-JP" altLang="en-US" smtClean="0"/>
-              <a:t>2018/4/5</a:t>
+              <a:t>2018/5/14</a:t>
             </a:fld>
             <a:endParaRPr kumimoji="1" lang="ja-JP" altLang="en-US"/>
           </a:p>
@@ -4731,7 +4735,7 @@
           <a:p>
             <a:fld id="{DC437576-95C7-47E1-B0DE-1E09BD029BD4}" type="datetimeFigureOut">
               <a:rPr kumimoji="1" lang="ja-JP" altLang="en-US" smtClean="0"/>
-              <a:t>2018/4/5</a:t>
+              <a:t>2018/5/14</a:t>
             </a:fld>
             <a:endParaRPr kumimoji="1" lang="ja-JP" altLang="en-US"/>
           </a:p>
@@ -5046,7 +5050,7 @@
           <a:p>
             <a:fld id="{DC437576-95C7-47E1-B0DE-1E09BD029BD4}" type="datetimeFigureOut">
               <a:rPr kumimoji="1" lang="ja-JP" altLang="en-US" smtClean="0"/>
-              <a:t>2018/4/5</a:t>
+              <a:t>2018/5/14</a:t>
             </a:fld>
             <a:endParaRPr kumimoji="1" lang="ja-JP" altLang="en-US"/>
           </a:p>
@@ -5337,7 +5341,7 @@
           <a:p>
             <a:fld id="{DC437576-95C7-47E1-B0DE-1E09BD029BD4}" type="datetimeFigureOut">
               <a:rPr kumimoji="1" lang="ja-JP" altLang="en-US" smtClean="0"/>
-              <a:t>2018/4/5</a:t>
+              <a:t>2018/5/14</a:t>
             </a:fld>
             <a:endParaRPr kumimoji="1" lang="ja-JP" altLang="en-US"/>
           </a:p>
@@ -5899,7 +5903,7 @@
           <a:p>
             <a:fld id="{DC437576-95C7-47E1-B0DE-1E09BD029BD4}" type="datetimeFigureOut">
               <a:rPr kumimoji="1" lang="ja-JP" altLang="en-US" smtClean="0"/>
-              <a:t>2018/4/5</a:t>
+              <a:t>2018/5/14</a:t>
             </a:fld>
             <a:endParaRPr kumimoji="1" lang="ja-JP" altLang="en-US"/>
           </a:p>
@@ -6559,6 +6563,149 @@
 </p:sld>
 </file>
 
+<file path=ppt/slides/slide10.xml><?xml version="1.0" encoding="utf-8"?>
+<p:sld xmlns:a="http://schemas.openxmlformats.org/drawingml/2006/main" xmlns:r="http://schemas.openxmlformats.org/officeDocument/2006/relationships" xmlns:p="http://schemas.openxmlformats.org/presentationml/2006/main">
+  <p:cSld>
+    <p:spTree>
+      <p:nvGrpSpPr>
+        <p:cNvPr id="1" name=""/>
+        <p:cNvGrpSpPr/>
+        <p:nvPr/>
+      </p:nvGrpSpPr>
+      <p:grpSpPr>
+        <a:xfrm>
+          <a:off x="0" y="0"/>
+          <a:ext cx="0" cy="0"/>
+          <a:chOff x="0" y="0"/>
+          <a:chExt cx="0" cy="0"/>
+        </a:xfrm>
+      </p:grpSpPr>
+      <p:sp>
+        <p:nvSpPr>
+          <p:cNvPr id="2" name="ホームベース 1"/>
+          <p:cNvSpPr/>
+          <p:nvPr/>
+        </p:nvSpPr>
+        <p:spPr>
+          <a:xfrm>
+            <a:off x="-1" y="419100"/>
+            <a:ext cx="5731934" cy="1133475"/>
+          </a:xfrm>
+          <a:prstGeom prst="homePlate">
+            <a:avLst/>
+          </a:prstGeom>
+        </p:spPr>
+        <p:style>
+          <a:lnRef idx="3">
+            <a:schemeClr val="lt1"/>
+          </a:lnRef>
+          <a:fillRef idx="1">
+            <a:schemeClr val="accent2"/>
+          </a:fillRef>
+          <a:effectRef idx="1">
+            <a:schemeClr val="accent2"/>
+          </a:effectRef>
+          <a:fontRef idx="minor">
+            <a:schemeClr val="lt1"/>
+          </a:fontRef>
+        </p:style>
+        <p:txBody>
+          <a:bodyPr rtlCol="0" anchor="ctr"/>
+          <a:lstStyle/>
+          <a:p>
+            <a:pPr algn="ctr"/>
+            <a:r>
+              <a:rPr lang="ja-JP" altLang="en-US" sz="3600" dirty="0" smtClean="0"/>
+              <a:t>今後の予定</a:t>
+            </a:r>
+            <a:endParaRPr kumimoji="1" lang="en-US" altLang="ja-JP" sz="3600" dirty="0" smtClean="0"/>
+          </a:p>
+        </p:txBody>
+      </p:sp>
+      <p:sp>
+        <p:nvSpPr>
+          <p:cNvPr id="3" name="テキスト ボックス 2"/>
+          <p:cNvSpPr txBox="1"/>
+          <p:nvPr/>
+        </p:nvSpPr>
+        <p:spPr>
+          <a:xfrm>
+            <a:off x="1676400" y="3115734"/>
+            <a:ext cx="8658139" cy="584775"/>
+          </a:xfrm>
+          <a:prstGeom prst="rect">
+            <a:avLst/>
+          </a:prstGeom>
+          <a:noFill/>
+        </p:spPr>
+        <p:txBody>
+          <a:bodyPr wrap="none" rtlCol="0">
+            <a:spAutoFit/>
+          </a:bodyPr>
+          <a:lstStyle/>
+          <a:p>
+            <a:r>
+              <a:rPr kumimoji="1" lang="ja-JP" altLang="en-US" sz="3200" dirty="0" smtClean="0">
+                <a:latin typeface="07ラノベPOP" panose="02000800000000000000" pitchFamily="50" charset="-128"/>
+                <a:ea typeface="07ラノベPOP" panose="02000800000000000000" pitchFamily="50" charset="-128"/>
+              </a:rPr>
+              <a:t>現在</a:t>
+            </a:r>
+            <a:r>
+              <a:rPr kumimoji="1" lang="en-US" altLang="ja-JP" sz="3200" dirty="0" smtClean="0">
+                <a:latin typeface="07ラノベPOP" panose="02000800000000000000" pitchFamily="50" charset="-128"/>
+                <a:ea typeface="07ラノベPOP" panose="02000800000000000000" pitchFamily="50" charset="-128"/>
+              </a:rPr>
+              <a:t>β</a:t>
+            </a:r>
+            <a:r>
+              <a:rPr kumimoji="1" lang="ja-JP" altLang="en-US" sz="3200" dirty="0" smtClean="0">
+                <a:latin typeface="07ラノベPOP" panose="02000800000000000000" pitchFamily="50" charset="-128"/>
+                <a:ea typeface="07ラノベPOP" panose="02000800000000000000" pitchFamily="50" charset="-128"/>
+              </a:rPr>
+              <a:t>版を製作中　⇒　</a:t>
+            </a:r>
+            <a:r>
+              <a:rPr lang="en-US" altLang="ja-JP" sz="3200" dirty="0">
+                <a:latin typeface="07ラノベPOP" panose="02000800000000000000" pitchFamily="50" charset="-128"/>
+                <a:ea typeface="07ラノベPOP" panose="02000800000000000000" pitchFamily="50" charset="-128"/>
+              </a:rPr>
+              <a:t>6</a:t>
+            </a:r>
+            <a:r>
+              <a:rPr lang="ja-JP" altLang="en-US" sz="3200" smtClean="0">
+                <a:latin typeface="07ラノベPOP" panose="02000800000000000000" pitchFamily="50" charset="-128"/>
+                <a:ea typeface="07ラノベPOP" panose="02000800000000000000" pitchFamily="50" charset="-128"/>
+              </a:rPr>
+              <a:t>月上旬に</a:t>
+            </a:r>
+            <a:r>
+              <a:rPr lang="ja-JP" altLang="en-US" sz="3200" dirty="0" smtClean="0">
+                <a:latin typeface="07ラノベPOP" panose="02000800000000000000" pitchFamily="50" charset="-128"/>
+                <a:ea typeface="07ラノベPOP" panose="02000800000000000000" pitchFamily="50" charset="-128"/>
+              </a:rPr>
+              <a:t>マスター版</a:t>
+            </a:r>
+            <a:endParaRPr kumimoji="1" lang="ja-JP" altLang="en-US" sz="3200" dirty="0">
+              <a:latin typeface="07ラノベPOP" panose="02000800000000000000" pitchFamily="50" charset="-128"/>
+              <a:ea typeface="07ラノベPOP" panose="02000800000000000000" pitchFamily="50" charset="-128"/>
+            </a:endParaRPr>
+          </a:p>
+        </p:txBody>
+      </p:sp>
+    </p:spTree>
+    <p:extLst>
+      <p:ext uri="{BB962C8B-B14F-4D97-AF65-F5344CB8AC3E}">
+        <p14:creationId xmlns:p14="http://schemas.microsoft.com/office/powerpoint/2010/main" val="614682330"/>
+      </p:ext>
+    </p:extLst>
+  </p:cSld>
+  <p:clrMapOvr>
+    <a:masterClrMapping/>
+  </p:clrMapOvr>
+</p:sld>
+</file>
+
 <file path=ppt/slides/slide2.xml><?xml version="1.0" encoding="utf-8"?>
 <p:sld xmlns:a="http://schemas.openxmlformats.org/drawingml/2006/main" xmlns:r="http://schemas.openxmlformats.org/officeDocument/2006/relationships" xmlns:p="http://schemas.openxmlformats.org/presentationml/2006/main">
   <p:cSld>
@@ -6611,8 +6758,8 @@
           <a:p>
             <a:pPr algn="ctr"/>
             <a:r>
-              <a:rPr kumimoji="1" lang="ja-JP" altLang="en-US" sz="3600" dirty="0" smtClean="0"/>
-              <a:t>概　要</a:t>
+              <a:rPr lang="ja-JP" altLang="en-US" sz="3600" dirty="0"/>
+              <a:t>内容</a:t>
             </a:r>
             <a:endParaRPr kumimoji="1" lang="en-US" altLang="ja-JP" sz="3600" dirty="0" smtClean="0"/>
           </a:p>
@@ -6668,88 +6815,6 @@
           </a:p>
         </p:txBody>
       </p:sp>
-      <p:pic>
-        <p:nvPicPr>
-          <p:cNvPr id="2050" name="Picture 2" descr="ãã¤ã³ããã¯ã¹ãã®ç»åæ¤ç´¢çµæ"/>
-          <p:cNvPicPr>
-            <a:picLocks noChangeAspect="1" noChangeArrowheads="1"/>
-          </p:cNvPicPr>
-          <p:nvPr/>
-        </p:nvPicPr>
-        <p:blipFill>
-          <a:blip r:embed="rId2">
-            <a:extLst>
-              <a:ext uri="{28A0092B-C50C-407E-A947-70E740481C1C}">
-                <a14:useLocalDpi xmlns:a14="http://schemas.microsoft.com/office/drawing/2010/main" val="0"/>
-              </a:ext>
-            </a:extLst>
-          </a:blip>
-          <a:srcRect/>
-          <a:stretch>
-            <a:fillRect/>
-          </a:stretch>
-        </p:blipFill>
-        <p:spPr bwMode="auto">
-          <a:xfrm>
-            <a:off x="8924836" y="448790"/>
-            <a:ext cx="2226558" cy="2226559"/>
-          </a:xfrm>
-          <a:prstGeom prst="rect">
-            <a:avLst/>
-          </a:prstGeom>
-          <a:noFill/>
-          <a:extLst>
-            <a:ext uri="{909E8E84-426E-40DD-AFC4-6F175D3DCCD1}">
-              <a14:hiddenFill xmlns:a14="http://schemas.microsoft.com/office/drawing/2010/main">
-                <a:solidFill>
-                  <a:srgbClr val="FFFFFF"/>
-                </a:solidFill>
-              </a14:hiddenFill>
-            </a:ext>
-          </a:extLst>
-        </p:spPr>
-      </p:pic>
-      <p:pic>
-        <p:nvPicPr>
-          <p:cNvPr id="2052" name="Picture 4" descr="ãä¸æ¡å½éº»ãã®ç»åæ¤ç´¢çµæ"/>
-          <p:cNvPicPr>
-            <a:picLocks noChangeAspect="1" noChangeArrowheads="1"/>
-          </p:cNvPicPr>
-          <p:nvPr/>
-        </p:nvPicPr>
-        <p:blipFill>
-          <a:blip r:embed="rId3" cstate="print">
-            <a:extLst>
-              <a:ext uri="{28A0092B-C50C-407E-A947-70E740481C1C}">
-                <a14:useLocalDpi xmlns:a14="http://schemas.microsoft.com/office/drawing/2010/main" val="0"/>
-              </a:ext>
-            </a:extLst>
-          </a:blip>
-          <a:srcRect/>
-          <a:stretch>
-            <a:fillRect/>
-          </a:stretch>
-        </p:blipFill>
-        <p:spPr bwMode="auto">
-          <a:xfrm>
-            <a:off x="1408442" y="4182652"/>
-            <a:ext cx="3848696" cy="2565798"/>
-          </a:xfrm>
-          <a:prstGeom prst="rect">
-            <a:avLst/>
-          </a:prstGeom>
-          <a:noFill/>
-          <a:extLst>
-            <a:ext uri="{909E8E84-426E-40DD-AFC4-6F175D3DCCD1}">
-              <a14:hiddenFill xmlns:a14="http://schemas.microsoft.com/office/drawing/2010/main">
-                <a:solidFill>
-                  <a:srgbClr val="FFFFFF"/>
-                </a:solidFill>
-              </a14:hiddenFill>
-            </a:ext>
-          </a:extLst>
-        </p:spPr>
-      </p:pic>
     </p:spTree>
     <p:extLst>
       <p:ext uri="{BB962C8B-B14F-4D97-AF65-F5344CB8AC3E}">
@@ -6760,6 +6825,14 @@
   <p:clrMapOvr>
     <a:masterClrMapping/>
   </p:clrMapOvr>
+  <mc:AlternateContent xmlns:mc="http://schemas.openxmlformats.org/markup-compatibility/2006" xmlns:p14="http://schemas.microsoft.com/office/powerpoint/2010/main">
+    <mc:Choice Requires="p14">
+      <p:transition spd="slow" p14:dur="2000"/>
+    </mc:Choice>
+    <mc:Fallback xmlns="">
+      <p:transition spd="slow"/>
+    </mc:Fallback>
+  </mc:AlternateContent>
   <p:timing>
     <p:tnLst>
       <p:par>
@@ -6818,76 +6891,6 @@
                                   </p:childTnLst>
                                 </p:cTn>
                               </p:par>
-                              <p:par>
-                                <p:cTn id="8" presetID="10" presetClass="entr" presetSubtype="0" fill="hold" nodeType="withEffect">
-                                  <p:stCondLst>
-                                    <p:cond delay="0"/>
-                                  </p:stCondLst>
-                                  <p:childTnLst>
-                                    <p:set>
-                                      <p:cBhvr>
-                                        <p:cTn id="9" dur="1" fill="hold">
-                                          <p:stCondLst>
-                                            <p:cond delay="0"/>
-                                          </p:stCondLst>
-                                        </p:cTn>
-                                        <p:tgtEl>
-                                          <p:spTgt spid="2050"/>
-                                        </p:tgtEl>
-                                        <p:attrNameLst>
-                                          <p:attrName>style.visibility</p:attrName>
-                                        </p:attrNameLst>
-                                      </p:cBhvr>
-                                      <p:to>
-                                        <p:strVal val="visible"/>
-                                      </p:to>
-                                    </p:set>
-                                    <p:animEffect transition="in" filter="fade">
-                                      <p:cBhvr>
-                                        <p:cTn id="10" dur="500"/>
-                                        <p:tgtEl>
-                                          <p:spTgt spid="2050"/>
-                                        </p:tgtEl>
-                                      </p:cBhvr>
-                                    </p:animEffect>
-                                  </p:childTnLst>
-                                </p:cTn>
-                              </p:par>
-                              <p:par>
-                                <p:cTn id="11" presetID="10" presetClass="entr" presetSubtype="0" fill="hold" nodeType="withEffect">
-                                  <p:stCondLst>
-                                    <p:cond delay="0"/>
-                                  </p:stCondLst>
-                                  <p:childTnLst>
-                                    <p:set>
-                                      <p:cBhvr>
-                                        <p:cTn id="12" dur="1" fill="hold">
-                                          <p:stCondLst>
-                                            <p:cond delay="0"/>
-                                          </p:stCondLst>
-                                        </p:cTn>
-                                        <p:tgtEl>
-                                          <p:spTgt spid="2052"/>
-                                        </p:tgtEl>
-                                        <p:attrNameLst>
-                                          <p:attrName>style.visibility</p:attrName>
-                                        </p:attrNameLst>
-                                      </p:cBhvr>
-                                      <p:to>
-                                        <p:strVal val="visible"/>
-                                      </p:to>
-                                    </p:set>
-                                    <p:animEffect transition="in" filter="fade">
-                                      <p:cBhvr>
-                                        <p:cTn id="13" dur="500"/>
-                                        <p:tgtEl>
-                                          <p:spTgt spid="2052"/>
-                                        </p:tgtEl>
-                                      </p:cBhvr>
-                                    </p:animEffect>
-                                  </p:childTnLst>
-                                </p:cTn>
-                              </p:par>
                             </p:childTnLst>
                           </p:cTn>
                         </p:par>
@@ -6924,6 +6927,275 @@
 
 <file path=ppt/slides/slide3.xml><?xml version="1.0" encoding="utf-8"?>
 <p:sld xmlns:a="http://schemas.openxmlformats.org/drawingml/2006/main" xmlns:r="http://schemas.openxmlformats.org/officeDocument/2006/relationships" xmlns:p="http://schemas.openxmlformats.org/presentationml/2006/main">
+  <p:cSld>
+    <p:spTree>
+      <p:nvGrpSpPr>
+        <p:cNvPr id="1" name=""/>
+        <p:cNvGrpSpPr/>
+        <p:nvPr/>
+      </p:nvGrpSpPr>
+      <p:grpSpPr>
+        <a:xfrm>
+          <a:off x="0" y="0"/>
+          <a:ext cx="0" cy="0"/>
+          <a:chOff x="0" y="0"/>
+          <a:chExt cx="0" cy="0"/>
+        </a:xfrm>
+      </p:grpSpPr>
+      <p:sp>
+        <p:nvSpPr>
+          <p:cNvPr id="2" name="ホームベース 1"/>
+          <p:cNvSpPr/>
+          <p:nvPr/>
+        </p:nvSpPr>
+        <p:spPr>
+          <a:xfrm>
+            <a:off x="-1" y="419100"/>
+            <a:ext cx="4360333" cy="1133475"/>
+          </a:xfrm>
+          <a:prstGeom prst="homePlate">
+            <a:avLst/>
+          </a:prstGeom>
+        </p:spPr>
+        <p:style>
+          <a:lnRef idx="3">
+            <a:schemeClr val="lt1"/>
+          </a:lnRef>
+          <a:fillRef idx="1">
+            <a:schemeClr val="accent2"/>
+          </a:fillRef>
+          <a:effectRef idx="1">
+            <a:schemeClr val="accent2"/>
+          </a:effectRef>
+          <a:fontRef idx="minor">
+            <a:schemeClr val="lt1"/>
+          </a:fontRef>
+        </p:style>
+        <p:txBody>
+          <a:bodyPr rtlCol="0" anchor="ctr"/>
+          <a:lstStyle/>
+          <a:p>
+            <a:pPr algn="ctr"/>
+            <a:r>
+              <a:rPr lang="ja-JP" altLang="en-US" sz="3600" dirty="0" smtClean="0"/>
+              <a:t>ゲームの面白さ</a:t>
+            </a:r>
+            <a:endParaRPr kumimoji="1" lang="en-US" altLang="ja-JP" sz="3600" dirty="0" smtClean="0"/>
+          </a:p>
+        </p:txBody>
+      </p:sp>
+      <p:sp>
+        <p:nvSpPr>
+          <p:cNvPr id="3" name="テキスト ボックス 2"/>
+          <p:cNvSpPr txBox="1"/>
+          <p:nvPr/>
+        </p:nvSpPr>
+        <p:spPr>
+          <a:xfrm>
+            <a:off x="1642533" y="2370668"/>
+            <a:ext cx="9417963" cy="1938992"/>
+          </a:xfrm>
+          <a:prstGeom prst="rect">
+            <a:avLst/>
+          </a:prstGeom>
+          <a:noFill/>
+        </p:spPr>
+        <p:txBody>
+          <a:bodyPr wrap="none" rtlCol="0">
+            <a:spAutoFit/>
+          </a:bodyPr>
+          <a:lstStyle/>
+          <a:p>
+            <a:r>
+              <a:rPr kumimoji="1" lang="ja-JP" altLang="en-US" sz="6000" dirty="0" smtClean="0">
+                <a:latin typeface="07ラノベPOP" panose="02000800000000000000" pitchFamily="50" charset="-128"/>
+                <a:ea typeface="07ラノベPOP" panose="02000800000000000000" pitchFamily="50" charset="-128"/>
+              </a:rPr>
+              <a:t>超能力を使っているという</a:t>
+            </a:r>
+            <a:endParaRPr kumimoji="1" lang="en-US" altLang="ja-JP" sz="6000" dirty="0" smtClean="0">
+              <a:latin typeface="07ラノベPOP" panose="02000800000000000000" pitchFamily="50" charset="-128"/>
+              <a:ea typeface="07ラノベPOP" panose="02000800000000000000" pitchFamily="50" charset="-128"/>
+            </a:endParaRPr>
+          </a:p>
+          <a:p>
+            <a:r>
+              <a:rPr lang="ja-JP" altLang="en-US" sz="6000" dirty="0" smtClean="0">
+                <a:latin typeface="07ラノベPOP" panose="02000800000000000000" pitchFamily="50" charset="-128"/>
+                <a:ea typeface="07ラノベPOP" panose="02000800000000000000" pitchFamily="50" charset="-128"/>
+              </a:rPr>
+              <a:t>非</a:t>
+            </a:r>
+            <a:r>
+              <a:rPr kumimoji="1" lang="ja-JP" altLang="en-US" sz="6000" dirty="0" smtClean="0">
+                <a:latin typeface="07ラノベPOP" panose="02000800000000000000" pitchFamily="50" charset="-128"/>
+                <a:ea typeface="07ラノベPOP" panose="02000800000000000000" pitchFamily="50" charset="-128"/>
+              </a:rPr>
+              <a:t>現実的な体験</a:t>
+            </a:r>
+            <a:endParaRPr kumimoji="1" lang="ja-JP" altLang="en-US" sz="6000" dirty="0">
+              <a:latin typeface="07ラノベPOP" panose="02000800000000000000" pitchFamily="50" charset="-128"/>
+              <a:ea typeface="07ラノベPOP" panose="02000800000000000000" pitchFamily="50" charset="-128"/>
+            </a:endParaRPr>
+          </a:p>
+        </p:txBody>
+      </p:sp>
+    </p:spTree>
+    <p:extLst>
+      <p:ext uri="{BB962C8B-B14F-4D97-AF65-F5344CB8AC3E}">
+        <p14:creationId xmlns:p14="http://schemas.microsoft.com/office/powerpoint/2010/main" val="1111181894"/>
+      </p:ext>
+    </p:extLst>
+  </p:cSld>
+  <p:clrMapOvr>
+    <a:masterClrMapping/>
+  </p:clrMapOvr>
+  <mc:AlternateContent xmlns:mc="http://schemas.openxmlformats.org/markup-compatibility/2006" xmlns:p14="http://schemas.microsoft.com/office/powerpoint/2010/main">
+    <mc:Choice Requires="p14">
+      <p:transition spd="slow" p14:dur="2000"/>
+    </mc:Choice>
+    <mc:Fallback xmlns="">
+      <p:transition spd="slow"/>
+    </mc:Fallback>
+  </mc:AlternateContent>
+</p:sld>
+</file>
+
+<file path=ppt/slides/slide4.xml><?xml version="1.0" encoding="utf-8"?>
+<p:sld xmlns:a="http://schemas.openxmlformats.org/drawingml/2006/main" xmlns:r="http://schemas.openxmlformats.org/officeDocument/2006/relationships" xmlns:p="http://schemas.openxmlformats.org/presentationml/2006/main">
+  <p:cSld>
+    <p:spTree>
+      <p:nvGrpSpPr>
+        <p:cNvPr id="1" name=""/>
+        <p:cNvGrpSpPr/>
+        <p:nvPr/>
+      </p:nvGrpSpPr>
+      <p:grpSpPr>
+        <a:xfrm>
+          <a:off x="0" y="0"/>
+          <a:ext cx="0" cy="0"/>
+          <a:chOff x="0" y="0"/>
+          <a:chExt cx="0" cy="0"/>
+        </a:xfrm>
+      </p:grpSpPr>
+      <p:sp>
+        <p:nvSpPr>
+          <p:cNvPr id="2" name="ホームベース 1"/>
+          <p:cNvSpPr/>
+          <p:nvPr/>
+        </p:nvSpPr>
+        <p:spPr>
+          <a:xfrm>
+            <a:off x="-1" y="419100"/>
+            <a:ext cx="4360333" cy="1133475"/>
+          </a:xfrm>
+          <a:prstGeom prst="homePlate">
+            <a:avLst/>
+          </a:prstGeom>
+        </p:spPr>
+        <p:style>
+          <a:lnRef idx="3">
+            <a:schemeClr val="lt1"/>
+          </a:lnRef>
+          <a:fillRef idx="1">
+            <a:schemeClr val="accent2"/>
+          </a:fillRef>
+          <a:effectRef idx="1">
+            <a:schemeClr val="accent2"/>
+          </a:effectRef>
+          <a:fontRef idx="minor">
+            <a:schemeClr val="lt1"/>
+          </a:fontRef>
+        </p:style>
+        <p:txBody>
+          <a:bodyPr rtlCol="0" anchor="ctr"/>
+          <a:lstStyle/>
+          <a:p>
+            <a:pPr algn="ctr"/>
+            <a:r>
+              <a:rPr lang="ja-JP" altLang="en-US" sz="3600" dirty="0" smtClean="0"/>
+              <a:t>ゲームの面白さ</a:t>
+            </a:r>
+            <a:endParaRPr kumimoji="1" lang="en-US" altLang="ja-JP" sz="3600" dirty="0" smtClean="0"/>
+          </a:p>
+        </p:txBody>
+      </p:sp>
+      <p:sp>
+        <p:nvSpPr>
+          <p:cNvPr id="3" name="テキスト ボックス 2"/>
+          <p:cNvSpPr txBox="1"/>
+          <p:nvPr/>
+        </p:nvSpPr>
+        <p:spPr>
+          <a:xfrm>
+            <a:off x="2294467" y="2514600"/>
+            <a:ext cx="6955750" cy="2123658"/>
+          </a:xfrm>
+          <a:prstGeom prst="rect">
+            <a:avLst/>
+          </a:prstGeom>
+          <a:noFill/>
+        </p:spPr>
+        <p:txBody>
+          <a:bodyPr wrap="none" rtlCol="0">
+            <a:spAutoFit/>
+          </a:bodyPr>
+          <a:lstStyle/>
+          <a:p>
+            <a:r>
+              <a:rPr kumimoji="1" lang="ja-JP" altLang="en-US" sz="4400" dirty="0" smtClean="0">
+                <a:latin typeface="07ラノベPOP" panose="02000800000000000000" pitchFamily="50" charset="-128"/>
+                <a:ea typeface="07ラノベPOP" panose="02000800000000000000" pitchFamily="50" charset="-128"/>
+              </a:rPr>
+              <a:t>遊んでほしい点は・・・</a:t>
+            </a:r>
+            <a:endParaRPr lang="en-US" altLang="ja-JP" sz="4400" dirty="0">
+              <a:latin typeface="07ラノベPOP" panose="02000800000000000000" pitchFamily="50" charset="-128"/>
+              <a:ea typeface="07ラノベPOP" panose="02000800000000000000" pitchFamily="50" charset="-128"/>
+            </a:endParaRPr>
+          </a:p>
+          <a:p>
+            <a:endParaRPr kumimoji="1" lang="en-US" altLang="ja-JP" sz="4400" dirty="0" smtClean="0">
+              <a:latin typeface="07ラノベPOP" panose="02000800000000000000" pitchFamily="50" charset="-128"/>
+              <a:ea typeface="07ラノベPOP" panose="02000800000000000000" pitchFamily="50" charset="-128"/>
+            </a:endParaRPr>
+          </a:p>
+          <a:p>
+            <a:r>
+              <a:rPr kumimoji="1" lang="ja-JP" altLang="en-US" sz="4400" dirty="0" smtClean="0">
+                <a:solidFill>
+                  <a:srgbClr val="FF0000"/>
+                </a:solidFill>
+                <a:latin typeface="07ラノベPOP" panose="02000800000000000000" pitchFamily="50" charset="-128"/>
+                <a:ea typeface="07ラノベPOP" panose="02000800000000000000" pitchFamily="50" charset="-128"/>
+              </a:rPr>
+              <a:t>“ギミックを解く”</a:t>
+            </a:r>
+            <a:r>
+              <a:rPr kumimoji="1" lang="ja-JP" altLang="en-US" sz="4400" dirty="0" smtClean="0">
+                <a:latin typeface="07ラノベPOP" panose="02000800000000000000" pitchFamily="50" charset="-128"/>
+                <a:ea typeface="07ラノベPOP" panose="02000800000000000000" pitchFamily="50" charset="-128"/>
+              </a:rPr>
+              <a:t>ところ</a:t>
+            </a:r>
+          </a:p>
+        </p:txBody>
+      </p:sp>
+    </p:spTree>
+    <p:extLst>
+      <p:ext uri="{BB962C8B-B14F-4D97-AF65-F5344CB8AC3E}">
+        <p14:creationId xmlns:p14="http://schemas.microsoft.com/office/powerpoint/2010/main" val="2437061075"/>
+      </p:ext>
+    </p:extLst>
+  </p:cSld>
+  <p:clrMapOvr>
+    <a:masterClrMapping/>
+  </p:clrMapOvr>
+</p:sld>
+</file>
+
+<file path=ppt/slides/slide5.xml><?xml version="1.0" encoding="utf-8"?>
+<p:sld xmlns:a="http://schemas.openxmlformats.org/drawingml/2006/main" xmlns:r="http://schemas.openxmlformats.org/officeDocument/2006/relationships" xmlns:p="http://schemas.openxmlformats.org/presentationml/2006/main" show="0">
   <p:cSld>
     <p:spTree>
       <p:nvGrpSpPr>
@@ -10078,6 +10350,14 @@
   <p:clrMapOvr>
     <a:masterClrMapping/>
   </p:clrMapOvr>
+  <mc:AlternateContent xmlns:mc="http://schemas.openxmlformats.org/markup-compatibility/2006" xmlns:p14="http://schemas.microsoft.com/office/powerpoint/2010/main">
+    <mc:Choice Requires="p14">
+      <p:transition spd="slow" p14:dur="2000"/>
+    </mc:Choice>
+    <mc:Fallback xmlns="">
+      <p:transition spd="slow"/>
+    </mc:Fallback>
+  </mc:AlternateContent>
   <p:timing>
     <p:tnLst>
       <p:par>
@@ -10580,7 +10860,7 @@
 </p:sld>
 </file>
 
-<file path=ppt/slides/slide4.xml><?xml version="1.0" encoding="utf-8"?>
+<file path=ppt/slides/slide6.xml><?xml version="1.0" encoding="utf-8"?>
 <p:sld xmlns:a="http://schemas.openxmlformats.org/drawingml/2006/main" xmlns:r="http://schemas.openxmlformats.org/officeDocument/2006/relationships" xmlns:p="http://schemas.openxmlformats.org/presentationml/2006/main">
   <p:cSld>
     <p:spTree>
@@ -11048,6 +11328,14 @@
   <p:clrMapOvr>
     <a:masterClrMapping/>
   </p:clrMapOvr>
+  <mc:AlternateContent xmlns:mc="http://schemas.openxmlformats.org/markup-compatibility/2006" xmlns:p14="http://schemas.microsoft.com/office/powerpoint/2010/main">
+    <mc:Choice Requires="p14">
+      <p:transition spd="slow" p14:dur="2000"/>
+    </mc:Choice>
+    <mc:Fallback xmlns="">
+      <p:transition spd="slow"/>
+    </mc:Fallback>
+  </mc:AlternateContent>
   <p:timing>
     <p:tnLst>
       <p:par>
@@ -11058,8 +11346,8 @@
 </p:sld>
 </file>
 
-<file path=ppt/slides/slide5.xml><?xml version="1.0" encoding="utf-8"?>
-<p:sld xmlns:a="http://schemas.openxmlformats.org/drawingml/2006/main" xmlns:r="http://schemas.openxmlformats.org/officeDocument/2006/relationships" xmlns:p="http://schemas.openxmlformats.org/presentationml/2006/main">
+<file path=ppt/slides/slide7.xml><?xml version="1.0" encoding="utf-8"?>
+<p:sld xmlns:a="http://schemas.openxmlformats.org/drawingml/2006/main" xmlns:r="http://schemas.openxmlformats.org/officeDocument/2006/relationships" xmlns:p="http://schemas.openxmlformats.org/presentationml/2006/main" show="0">
   <p:cSld>
     <p:spTree>
       <p:nvGrpSpPr>
@@ -11260,6 +11548,14 @@
   <p:clrMapOvr>
     <a:masterClrMapping/>
   </p:clrMapOvr>
+  <mc:AlternateContent xmlns:mc="http://schemas.openxmlformats.org/markup-compatibility/2006" xmlns:p14="http://schemas.microsoft.com/office/powerpoint/2010/main">
+    <mc:Choice Requires="p14">
+      <p:transition spd="slow" p14:dur="2000"/>
+    </mc:Choice>
+    <mc:Fallback xmlns="">
+      <p:transition spd="slow"/>
+    </mc:Fallback>
+  </mc:AlternateContent>
   <p:timing>
     <p:tnLst>
       <p:par>
@@ -11270,7 +11566,7 @@
 </p:sld>
 </file>
 
-<file path=ppt/slides/slide6.xml><?xml version="1.0" encoding="utf-8"?>
+<file path=ppt/slides/slide8.xml><?xml version="1.0" encoding="utf-8"?>
 <p:sld xmlns:a="http://schemas.openxmlformats.org/drawingml/2006/main" xmlns:r="http://schemas.openxmlformats.org/officeDocument/2006/relationships" xmlns:p="http://schemas.openxmlformats.org/presentationml/2006/main">
   <p:cSld>
     <p:spTree>
@@ -11295,8 +11591,8 @@
         </p:nvSpPr>
         <p:spPr>
           <a:xfrm>
-            <a:off x="0" y="419100"/>
-            <a:ext cx="3600450" cy="1133475"/>
+            <a:off x="-1" y="419100"/>
+            <a:ext cx="5215467" cy="1133475"/>
           </a:xfrm>
           <a:prstGeom prst="homePlate">
             <a:avLst/>
@@ -11323,19 +11619,7 @@
             <a:pPr algn="ctr"/>
             <a:r>
               <a:rPr lang="ja-JP" altLang="en-US" sz="3600" dirty="0" smtClean="0"/>
-              <a:t>ギミック</a:t>
-            </a:r>
-            <a:r>
-              <a:rPr lang="en-US" altLang="ja-JP" sz="3600" dirty="0" smtClean="0"/>
-              <a:t>(</a:t>
-            </a:r>
-            <a:r>
-              <a:rPr lang="ja-JP" altLang="en-US" sz="3600" dirty="0" smtClean="0"/>
-              <a:t>妨害</a:t>
-            </a:r>
-            <a:r>
-              <a:rPr lang="en-US" altLang="ja-JP" sz="3600" dirty="0" smtClean="0"/>
-              <a:t>)</a:t>
+              <a:t>ギミック（追加予定）</a:t>
             </a:r>
             <a:endParaRPr kumimoji="1" lang="en-US" altLang="ja-JP" sz="3600" dirty="0" smtClean="0"/>
           </a:p>
@@ -11542,6 +11826,152 @@
       </p:par>
     </p:tnLst>
   </p:timing>
+</p:sld>
+</file>
+
+<file path=ppt/slides/slide9.xml><?xml version="1.0" encoding="utf-8"?>
+<p:sld xmlns:a="http://schemas.openxmlformats.org/drawingml/2006/main" xmlns:r="http://schemas.openxmlformats.org/officeDocument/2006/relationships" xmlns:p="http://schemas.openxmlformats.org/presentationml/2006/main">
+  <p:cSld>
+    <p:spTree>
+      <p:nvGrpSpPr>
+        <p:cNvPr id="1" name=""/>
+        <p:cNvGrpSpPr/>
+        <p:nvPr/>
+      </p:nvGrpSpPr>
+      <p:grpSpPr>
+        <a:xfrm>
+          <a:off x="0" y="0"/>
+          <a:ext cx="0" cy="0"/>
+          <a:chOff x="0" y="0"/>
+          <a:chExt cx="0" cy="0"/>
+        </a:xfrm>
+      </p:grpSpPr>
+      <p:sp>
+        <p:nvSpPr>
+          <p:cNvPr id="2" name="ホームベース 1"/>
+          <p:cNvSpPr/>
+          <p:nvPr/>
+        </p:nvSpPr>
+        <p:spPr>
+          <a:xfrm>
+            <a:off x="-1" y="419100"/>
+            <a:ext cx="5731934" cy="1133475"/>
+          </a:xfrm>
+          <a:prstGeom prst="homePlate">
+            <a:avLst/>
+          </a:prstGeom>
+        </p:spPr>
+        <p:style>
+          <a:lnRef idx="3">
+            <a:schemeClr val="lt1"/>
+          </a:lnRef>
+          <a:fillRef idx="1">
+            <a:schemeClr val="accent2"/>
+          </a:fillRef>
+          <a:effectRef idx="1">
+            <a:schemeClr val="accent2"/>
+          </a:effectRef>
+          <a:fontRef idx="minor">
+            <a:schemeClr val="lt1"/>
+          </a:fontRef>
+        </p:style>
+        <p:txBody>
+          <a:bodyPr rtlCol="0" anchor="ctr"/>
+          <a:lstStyle/>
+          <a:p>
+            <a:pPr algn="ctr"/>
+            <a:r>
+              <a:rPr lang="ja-JP" altLang="en-US" sz="3600" dirty="0"/>
+              <a:t>ギミック（追加予定）</a:t>
+            </a:r>
+            <a:endParaRPr kumimoji="1" lang="en-US" altLang="ja-JP" sz="3600" dirty="0" smtClean="0"/>
+          </a:p>
+        </p:txBody>
+      </p:sp>
+      <p:sp>
+        <p:nvSpPr>
+          <p:cNvPr id="3" name="テキスト ボックス 2"/>
+          <p:cNvSpPr txBox="1"/>
+          <p:nvPr/>
+        </p:nvSpPr>
+        <p:spPr>
+          <a:xfrm>
+            <a:off x="1905000" y="2624666"/>
+            <a:ext cx="8372805" cy="2123658"/>
+          </a:xfrm>
+          <a:prstGeom prst="rect">
+            <a:avLst/>
+          </a:prstGeom>
+          <a:noFill/>
+        </p:spPr>
+        <p:txBody>
+          <a:bodyPr wrap="none" rtlCol="0">
+            <a:spAutoFit/>
+          </a:bodyPr>
+          <a:lstStyle/>
+          <a:p>
+            <a:pPr marL="285750" indent="-285750">
+              <a:buFont typeface="Arial" panose="020B0604020202020204" pitchFamily="34" charset="0"/>
+              <a:buChar char="•"/>
+            </a:pPr>
+            <a:r>
+              <a:rPr kumimoji="1" lang="ja-JP" altLang="en-US" sz="4400" dirty="0" smtClean="0">
+                <a:latin typeface="07ラノベPOP" panose="02000800000000000000" pitchFamily="50" charset="-128"/>
+                <a:ea typeface="07ラノベPOP" panose="02000800000000000000" pitchFamily="50" charset="-128"/>
+              </a:rPr>
+              <a:t>指定の穴に何かを埋める暗号系</a:t>
+            </a:r>
+            <a:endParaRPr lang="en-US" altLang="ja-JP" sz="4400" dirty="0">
+              <a:latin typeface="07ラノベPOP" panose="02000800000000000000" pitchFamily="50" charset="-128"/>
+              <a:ea typeface="07ラノベPOP" panose="02000800000000000000" pitchFamily="50" charset="-128"/>
+            </a:endParaRPr>
+          </a:p>
+          <a:p>
+            <a:pPr marL="285750" indent="-285750">
+              <a:buFont typeface="Arial" panose="020B0604020202020204" pitchFamily="34" charset="0"/>
+              <a:buChar char="•"/>
+            </a:pPr>
+            <a:endParaRPr kumimoji="1" lang="en-US" altLang="ja-JP" sz="4400" dirty="0" smtClean="0">
+              <a:latin typeface="07ラノベPOP" panose="02000800000000000000" pitchFamily="50" charset="-128"/>
+              <a:ea typeface="07ラノベPOP" panose="02000800000000000000" pitchFamily="50" charset="-128"/>
+            </a:endParaRPr>
+          </a:p>
+          <a:p>
+            <a:pPr marL="285750" indent="-285750">
+              <a:buFont typeface="Arial" panose="020B0604020202020204" pitchFamily="34" charset="0"/>
+              <a:buChar char="•"/>
+            </a:pPr>
+            <a:r>
+              <a:rPr lang="ja-JP" altLang="en-US" sz="4400" dirty="0">
+                <a:latin typeface="07ラノベPOP" panose="02000800000000000000" pitchFamily="50" charset="-128"/>
+                <a:ea typeface="07ラノベPOP" panose="02000800000000000000" pitchFamily="50" charset="-128"/>
+              </a:rPr>
+              <a:t>重</a:t>
+            </a:r>
+            <a:r>
+              <a:rPr lang="ja-JP" altLang="en-US" sz="4400" dirty="0" smtClean="0">
+                <a:latin typeface="07ラノベPOP" panose="02000800000000000000" pitchFamily="50" charset="-128"/>
+                <a:ea typeface="07ラノベPOP" panose="02000800000000000000" pitchFamily="50" charset="-128"/>
+              </a:rPr>
+              <a:t>さで動く扉　　　等々</a:t>
+            </a:r>
+            <a:endParaRPr lang="en-US" altLang="ja-JP" sz="4400" dirty="0" smtClean="0">
+              <a:latin typeface="07ラノベPOP" panose="02000800000000000000" pitchFamily="50" charset="-128"/>
+              <a:ea typeface="07ラノベPOP" panose="02000800000000000000" pitchFamily="50" charset="-128"/>
+            </a:endParaRPr>
+          </a:p>
+        </p:txBody>
+      </p:sp>
+    </p:spTree>
+    <p:extLst>
+      <p:ext uri="{BB962C8B-B14F-4D97-AF65-F5344CB8AC3E}">
+        <p14:creationId xmlns:p14="http://schemas.microsoft.com/office/powerpoint/2010/main" val="3526303294"/>
+      </p:ext>
+    </p:extLst>
+  </p:cSld>
+  <p:clrMapOvr>
+    <a:masterClrMapping/>
+  </p:clrMapOvr>
 </p:sld>
 </file>
 
